--- a/report/modelisation/figure/unit_lifecycle.pptx
+++ b/report/modelisation/figure/unit_lifecycle.pptx
@@ -4,6 +4,9 @@
   <p:sldMasterIdLst>
     <p:sldMasterId id="2147483648" r:id="rId1"/>
   </p:sldMasterIdLst>
+  <p:notesMasterIdLst>
+    <p:notesMasterId r:id="rId3"/>
+  </p:notesMasterIdLst>
   <p:sldIdLst>
     <p:sldId id="256" r:id="rId2"/>
   </p:sldIdLst>
@@ -107,6 +110,434 @@
 </p:presentation>
 </file>
 
+<file path=ppt/notesMasters/notesMaster1.xml><?xml version="1.0" encoding="utf-8"?>
+<p:notesMaster xmlns:a="http://schemas.openxmlformats.org/drawingml/2006/main" xmlns:r="http://schemas.openxmlformats.org/officeDocument/2006/relationships" xmlns:p="http://schemas.openxmlformats.org/presentationml/2006/main">
+  <p:cSld>
+    <p:bg>
+      <p:bgRef idx="1001">
+        <a:schemeClr val="bg1"/>
+      </p:bgRef>
+    </p:bg>
+    <p:spTree>
+      <p:nvGrpSpPr>
+        <p:cNvPr id="1" name=""/>
+        <p:cNvGrpSpPr/>
+        <p:nvPr/>
+      </p:nvGrpSpPr>
+      <p:grpSpPr>
+        <a:xfrm>
+          <a:off x="0" y="0"/>
+          <a:ext cx="0" cy="0"/>
+          <a:chOff x="0" y="0"/>
+          <a:chExt cx="0" cy="0"/>
+        </a:xfrm>
+      </p:grpSpPr>
+      <p:sp>
+        <p:nvSpPr>
+          <p:cNvPr id="2" name="Espace réservé de l'en-tête 1"/>
+          <p:cNvSpPr>
+            <a:spLocks noGrp="1"/>
+          </p:cNvSpPr>
+          <p:nvPr>
+            <p:ph type="hdr" sz="quarter"/>
+          </p:nvPr>
+        </p:nvSpPr>
+        <p:spPr>
+          <a:xfrm>
+            <a:off x="0" y="0"/>
+            <a:ext cx="2971800" cy="457200"/>
+          </a:xfrm>
+          <a:prstGeom prst="rect">
+            <a:avLst/>
+          </a:prstGeom>
+        </p:spPr>
+        <p:txBody>
+          <a:bodyPr vert="horz" lIns="91440" tIns="45720" rIns="91440" bIns="45720" rtlCol="0"/>
+          <a:lstStyle>
+            <a:lvl1pPr algn="l">
+              <a:defRPr sz="1200"/>
+            </a:lvl1pPr>
+          </a:lstStyle>
+          <a:p>
+            <a:endParaRPr lang="fr-FR"/>
+          </a:p>
+        </p:txBody>
+      </p:sp>
+      <p:sp>
+        <p:nvSpPr>
+          <p:cNvPr id="3" name="Espace réservé de la date 2"/>
+          <p:cNvSpPr>
+            <a:spLocks noGrp="1"/>
+          </p:cNvSpPr>
+          <p:nvPr>
+            <p:ph type="dt" idx="1"/>
+          </p:nvPr>
+        </p:nvSpPr>
+        <p:spPr>
+          <a:xfrm>
+            <a:off x="3884613" y="0"/>
+            <a:ext cx="2971800" cy="457200"/>
+          </a:xfrm>
+          <a:prstGeom prst="rect">
+            <a:avLst/>
+          </a:prstGeom>
+        </p:spPr>
+        <p:txBody>
+          <a:bodyPr vert="horz" lIns="91440" tIns="45720" rIns="91440" bIns="45720" rtlCol="0"/>
+          <a:lstStyle>
+            <a:lvl1pPr algn="r">
+              <a:defRPr sz="1200"/>
+            </a:lvl1pPr>
+          </a:lstStyle>
+          <a:p>
+            <a:fld id="{361B864C-CA8A-47CC-B68C-041B737308F3}" type="datetimeFigureOut">
+              <a:rPr lang="fr-FR" smtClean="0"/>
+              <a:t>09/11/2014</a:t>
+            </a:fld>
+            <a:endParaRPr lang="fr-FR"/>
+          </a:p>
+        </p:txBody>
+      </p:sp>
+      <p:sp>
+        <p:nvSpPr>
+          <p:cNvPr id="4" name="Espace réservé de l'image des diapositives 3"/>
+          <p:cNvSpPr>
+            <a:spLocks noGrp="1" noRot="1" noChangeAspect="1"/>
+          </p:cNvSpPr>
+          <p:nvPr>
+            <p:ph type="sldImg" idx="2"/>
+          </p:nvPr>
+        </p:nvSpPr>
+        <p:spPr>
+          <a:xfrm>
+            <a:off x="381000" y="685800"/>
+            <a:ext cx="6096000" cy="3429000"/>
+          </a:xfrm>
+          <a:prstGeom prst="rect">
+            <a:avLst/>
+          </a:prstGeom>
+          <a:noFill/>
+          <a:ln w="12700">
+            <a:solidFill>
+              <a:prstClr val="black"/>
+            </a:solidFill>
+          </a:ln>
+        </p:spPr>
+        <p:txBody>
+          <a:bodyPr vert="horz" lIns="91440" tIns="45720" rIns="91440" bIns="45720" rtlCol="0" anchor="ctr"/>
+          <a:lstStyle/>
+          <a:p>
+            <a:endParaRPr lang="fr-FR"/>
+          </a:p>
+        </p:txBody>
+      </p:sp>
+      <p:sp>
+        <p:nvSpPr>
+          <p:cNvPr id="5" name="Espace réservé des commentaires 4"/>
+          <p:cNvSpPr>
+            <a:spLocks noGrp="1"/>
+          </p:cNvSpPr>
+          <p:nvPr>
+            <p:ph type="body" sz="quarter" idx="3"/>
+          </p:nvPr>
+        </p:nvSpPr>
+        <p:spPr>
+          <a:xfrm>
+            <a:off x="685800" y="4343400"/>
+            <a:ext cx="5486400" cy="4114800"/>
+          </a:xfrm>
+          <a:prstGeom prst="rect">
+            <a:avLst/>
+          </a:prstGeom>
+        </p:spPr>
+        <p:txBody>
+          <a:bodyPr vert="horz" lIns="91440" tIns="45720" rIns="91440" bIns="45720" rtlCol="0">
+            <a:normAutofit/>
+          </a:bodyPr>
+          <a:lstStyle/>
+          <a:p>
+            <a:pPr lvl="0"/>
+            <a:r>
+              <a:rPr lang="fr-FR" smtClean="0"/>
+              <a:t>Cliquez pour modifier les styles du texte du masque</a:t>
+            </a:r>
+          </a:p>
+          <a:p>
+            <a:pPr lvl="1"/>
+            <a:r>
+              <a:rPr lang="fr-FR" smtClean="0"/>
+              <a:t>Deuxième niveau</a:t>
+            </a:r>
+          </a:p>
+          <a:p>
+            <a:pPr lvl="2"/>
+            <a:r>
+              <a:rPr lang="fr-FR" smtClean="0"/>
+              <a:t>Troisième niveau</a:t>
+            </a:r>
+          </a:p>
+          <a:p>
+            <a:pPr lvl="3"/>
+            <a:r>
+              <a:rPr lang="fr-FR" smtClean="0"/>
+              <a:t>Quatrième niveau</a:t>
+            </a:r>
+          </a:p>
+          <a:p>
+            <a:pPr lvl="4"/>
+            <a:r>
+              <a:rPr lang="fr-FR" smtClean="0"/>
+              <a:t>Cinquième niveau</a:t>
+            </a:r>
+            <a:endParaRPr lang="fr-FR"/>
+          </a:p>
+        </p:txBody>
+      </p:sp>
+      <p:sp>
+        <p:nvSpPr>
+          <p:cNvPr id="6" name="Espace réservé du pied de page 5"/>
+          <p:cNvSpPr>
+            <a:spLocks noGrp="1"/>
+          </p:cNvSpPr>
+          <p:nvPr>
+            <p:ph type="ftr" sz="quarter" idx="4"/>
+          </p:nvPr>
+        </p:nvSpPr>
+        <p:spPr>
+          <a:xfrm>
+            <a:off x="0" y="8685213"/>
+            <a:ext cx="2971800" cy="457200"/>
+          </a:xfrm>
+          <a:prstGeom prst="rect">
+            <a:avLst/>
+          </a:prstGeom>
+        </p:spPr>
+        <p:txBody>
+          <a:bodyPr vert="horz" lIns="91440" tIns="45720" rIns="91440" bIns="45720" rtlCol="0" anchor="b"/>
+          <a:lstStyle>
+            <a:lvl1pPr algn="l">
+              <a:defRPr sz="1200"/>
+            </a:lvl1pPr>
+          </a:lstStyle>
+          <a:p>
+            <a:endParaRPr lang="fr-FR"/>
+          </a:p>
+        </p:txBody>
+      </p:sp>
+      <p:sp>
+        <p:nvSpPr>
+          <p:cNvPr id="7" name="Espace réservé du numéro de diapositive 6"/>
+          <p:cNvSpPr>
+            <a:spLocks noGrp="1"/>
+          </p:cNvSpPr>
+          <p:nvPr>
+            <p:ph type="sldNum" sz="quarter" idx="5"/>
+          </p:nvPr>
+        </p:nvSpPr>
+        <p:spPr>
+          <a:xfrm>
+            <a:off x="3884613" y="8685213"/>
+            <a:ext cx="2971800" cy="457200"/>
+          </a:xfrm>
+          <a:prstGeom prst="rect">
+            <a:avLst/>
+          </a:prstGeom>
+        </p:spPr>
+        <p:txBody>
+          <a:bodyPr vert="horz" lIns="91440" tIns="45720" rIns="91440" bIns="45720" rtlCol="0" anchor="b"/>
+          <a:lstStyle>
+            <a:lvl1pPr algn="r">
+              <a:defRPr sz="1200"/>
+            </a:lvl1pPr>
+          </a:lstStyle>
+          <a:p>
+            <a:fld id="{3AC9D27F-DA7B-4E5A-9DAB-63219B120FFA}" type="slidenum">
+              <a:rPr lang="fr-FR" smtClean="0"/>
+              <a:t>‹N°›</a:t>
+            </a:fld>
+            <a:endParaRPr lang="fr-FR"/>
+          </a:p>
+        </p:txBody>
+      </p:sp>
+    </p:spTree>
+  </p:cSld>
+  <p:clrMap bg1="lt1" tx1="dk1" bg2="lt2" tx2="dk2" accent1="accent1" accent2="accent2" accent3="accent3" accent4="accent4" accent5="accent5" accent6="accent6" hlink="hlink" folHlink="folHlink"/>
+  <p:notesStyle>
+    <a:lvl1pPr marL="0" algn="l" defTabSz="914400" rtl="0" eaLnBrk="1" latinLnBrk="0" hangingPunct="1">
+      <a:defRPr sz="1200" kern="1200">
+        <a:solidFill>
+          <a:schemeClr val="tx1"/>
+        </a:solidFill>
+        <a:latin typeface="+mn-lt"/>
+        <a:ea typeface="+mn-ea"/>
+        <a:cs typeface="+mn-cs"/>
+      </a:defRPr>
+    </a:lvl1pPr>
+    <a:lvl2pPr marL="457200" algn="l" defTabSz="914400" rtl="0" eaLnBrk="1" latinLnBrk="0" hangingPunct="1">
+      <a:defRPr sz="1200" kern="1200">
+        <a:solidFill>
+          <a:schemeClr val="tx1"/>
+        </a:solidFill>
+        <a:latin typeface="+mn-lt"/>
+        <a:ea typeface="+mn-ea"/>
+        <a:cs typeface="+mn-cs"/>
+      </a:defRPr>
+    </a:lvl2pPr>
+    <a:lvl3pPr marL="914400" algn="l" defTabSz="914400" rtl="0" eaLnBrk="1" latinLnBrk="0" hangingPunct="1">
+      <a:defRPr sz="1200" kern="1200">
+        <a:solidFill>
+          <a:schemeClr val="tx1"/>
+        </a:solidFill>
+        <a:latin typeface="+mn-lt"/>
+        <a:ea typeface="+mn-ea"/>
+        <a:cs typeface="+mn-cs"/>
+      </a:defRPr>
+    </a:lvl3pPr>
+    <a:lvl4pPr marL="1371600" algn="l" defTabSz="914400" rtl="0" eaLnBrk="1" latinLnBrk="0" hangingPunct="1">
+      <a:defRPr sz="1200" kern="1200">
+        <a:solidFill>
+          <a:schemeClr val="tx1"/>
+        </a:solidFill>
+        <a:latin typeface="+mn-lt"/>
+        <a:ea typeface="+mn-ea"/>
+        <a:cs typeface="+mn-cs"/>
+      </a:defRPr>
+    </a:lvl4pPr>
+    <a:lvl5pPr marL="1828800" algn="l" defTabSz="914400" rtl="0" eaLnBrk="1" latinLnBrk="0" hangingPunct="1">
+      <a:defRPr sz="1200" kern="1200">
+        <a:solidFill>
+          <a:schemeClr val="tx1"/>
+        </a:solidFill>
+        <a:latin typeface="+mn-lt"/>
+        <a:ea typeface="+mn-ea"/>
+        <a:cs typeface="+mn-cs"/>
+      </a:defRPr>
+    </a:lvl5pPr>
+    <a:lvl6pPr marL="2286000" algn="l" defTabSz="914400" rtl="0" eaLnBrk="1" latinLnBrk="0" hangingPunct="1">
+      <a:defRPr sz="1200" kern="1200">
+        <a:solidFill>
+          <a:schemeClr val="tx1"/>
+        </a:solidFill>
+        <a:latin typeface="+mn-lt"/>
+        <a:ea typeface="+mn-ea"/>
+        <a:cs typeface="+mn-cs"/>
+      </a:defRPr>
+    </a:lvl6pPr>
+    <a:lvl7pPr marL="2743200" algn="l" defTabSz="914400" rtl="0" eaLnBrk="1" latinLnBrk="0" hangingPunct="1">
+      <a:defRPr sz="1200" kern="1200">
+        <a:solidFill>
+          <a:schemeClr val="tx1"/>
+        </a:solidFill>
+        <a:latin typeface="+mn-lt"/>
+        <a:ea typeface="+mn-ea"/>
+        <a:cs typeface="+mn-cs"/>
+      </a:defRPr>
+    </a:lvl7pPr>
+    <a:lvl8pPr marL="3200400" algn="l" defTabSz="914400" rtl="0" eaLnBrk="1" latinLnBrk="0" hangingPunct="1">
+      <a:defRPr sz="1200" kern="1200">
+        <a:solidFill>
+          <a:schemeClr val="tx1"/>
+        </a:solidFill>
+        <a:latin typeface="+mn-lt"/>
+        <a:ea typeface="+mn-ea"/>
+        <a:cs typeface="+mn-cs"/>
+      </a:defRPr>
+    </a:lvl8pPr>
+    <a:lvl9pPr marL="3657600" algn="l" defTabSz="914400" rtl="0" eaLnBrk="1" latinLnBrk="0" hangingPunct="1">
+      <a:defRPr sz="1200" kern="1200">
+        <a:solidFill>
+          <a:schemeClr val="tx1"/>
+        </a:solidFill>
+        <a:latin typeface="+mn-lt"/>
+        <a:ea typeface="+mn-ea"/>
+        <a:cs typeface="+mn-cs"/>
+      </a:defRPr>
+    </a:lvl9pPr>
+  </p:notesStyle>
+</p:notesMaster>
+</file>
+
+<file path=ppt/notesSlides/notesSlide1.xml><?xml version="1.0" encoding="utf-8"?>
+<p:notes xmlns:a="http://schemas.openxmlformats.org/drawingml/2006/main" xmlns:r="http://schemas.openxmlformats.org/officeDocument/2006/relationships" xmlns:p="http://schemas.openxmlformats.org/presentationml/2006/main">
+  <p:cSld>
+    <p:spTree>
+      <p:nvGrpSpPr>
+        <p:cNvPr id="1" name=""/>
+        <p:cNvGrpSpPr/>
+        <p:nvPr/>
+      </p:nvGrpSpPr>
+      <p:grpSpPr>
+        <a:xfrm>
+          <a:off x="0" y="0"/>
+          <a:ext cx="0" cy="0"/>
+          <a:chOff x="0" y="0"/>
+          <a:chExt cx="0" cy="0"/>
+        </a:xfrm>
+      </p:grpSpPr>
+      <p:sp>
+        <p:nvSpPr>
+          <p:cNvPr id="2" name="Espace réservé de l'image des diapositives 1"/>
+          <p:cNvSpPr>
+            <a:spLocks noGrp="1" noRot="1" noChangeAspect="1"/>
+          </p:cNvSpPr>
+          <p:nvPr>
+            <p:ph type="sldImg"/>
+          </p:nvPr>
+        </p:nvSpPr>
+        <p:spPr/>
+      </p:sp>
+      <p:sp>
+        <p:nvSpPr>
+          <p:cNvPr id="3" name="Espace réservé des commentaires 2"/>
+          <p:cNvSpPr>
+            <a:spLocks noGrp="1"/>
+          </p:cNvSpPr>
+          <p:nvPr>
+            <p:ph type="body" idx="1"/>
+          </p:nvPr>
+        </p:nvSpPr>
+        <p:spPr/>
+        <p:txBody>
+          <a:bodyPr>
+            <a:normAutofit/>
+          </a:bodyPr>
+          <a:lstStyle/>
+          <a:p>
+            <a:endParaRPr lang="fr-FR"/>
+          </a:p>
+        </p:txBody>
+      </p:sp>
+      <p:sp>
+        <p:nvSpPr>
+          <p:cNvPr id="4" name="Espace réservé du numéro de diapositive 3"/>
+          <p:cNvSpPr>
+            <a:spLocks noGrp="1"/>
+          </p:cNvSpPr>
+          <p:nvPr>
+            <p:ph type="sldNum" sz="quarter" idx="10"/>
+          </p:nvPr>
+        </p:nvSpPr>
+        <p:spPr/>
+        <p:txBody>
+          <a:bodyPr/>
+          <a:lstStyle/>
+          <a:p>
+            <a:fld id="{3AC9D27F-DA7B-4E5A-9DAB-63219B120FFA}" type="slidenum">
+              <a:rPr lang="fr-FR" smtClean="0"/>
+              <a:t>1</a:t>
+            </a:fld>
+            <a:endParaRPr lang="fr-FR"/>
+          </a:p>
+        </p:txBody>
+      </p:sp>
+    </p:spTree>
+  </p:cSld>
+  <p:clrMapOvr>
+    <a:masterClrMapping/>
+  </p:clrMapOvr>
+</p:notes>
+</file>
+
 <file path=ppt/slideLayouts/slideLayout1.xml><?xml version="1.0" encoding="utf-8"?>
 <p:sldLayout xmlns:a="http://schemas.openxmlformats.org/drawingml/2006/main" xmlns:r="http://schemas.openxmlformats.org/officeDocument/2006/relationships" xmlns:p="http://schemas.openxmlformats.org/presentationml/2006/main" type="title" preserve="1">
   <p:cSld name="Diapositive de titre">
@@ -291,7 +722,7 @@
     </p:spTree>
     <p:extLst>
       <p:ext uri="{BB962C8B-B14F-4D97-AF65-F5344CB8AC3E}">
-        <p14:creationId xmlns:p14="http://schemas.microsoft.com/office/powerpoint/2010/main" xmlns="" val="3370181022"/>
+        <p14:creationId xmlns="" xmlns:p14="http://schemas.microsoft.com/office/powerpoint/2010/main" val="3370181022"/>
       </p:ext>
     </p:extLst>
   </p:cSld>
@@ -463,7 +894,7 @@
     </p:spTree>
     <p:extLst>
       <p:ext uri="{BB962C8B-B14F-4D97-AF65-F5344CB8AC3E}">
-        <p14:creationId xmlns:p14="http://schemas.microsoft.com/office/powerpoint/2010/main" xmlns="" val="3348909439"/>
+        <p14:creationId xmlns="" xmlns:p14="http://schemas.microsoft.com/office/powerpoint/2010/main" val="3348909439"/>
       </p:ext>
     </p:extLst>
   </p:cSld>
@@ -645,7 +1076,7 @@
     </p:spTree>
     <p:extLst>
       <p:ext uri="{BB962C8B-B14F-4D97-AF65-F5344CB8AC3E}">
-        <p14:creationId xmlns:p14="http://schemas.microsoft.com/office/powerpoint/2010/main" xmlns="" val="2562456901"/>
+        <p14:creationId xmlns="" xmlns:p14="http://schemas.microsoft.com/office/powerpoint/2010/main" val="2562456901"/>
       </p:ext>
     </p:extLst>
   </p:cSld>
@@ -817,7 +1248,7 @@
     </p:spTree>
     <p:extLst>
       <p:ext uri="{BB962C8B-B14F-4D97-AF65-F5344CB8AC3E}">
-        <p14:creationId xmlns:p14="http://schemas.microsoft.com/office/powerpoint/2010/main" xmlns="" val="3020172551"/>
+        <p14:creationId xmlns="" xmlns:p14="http://schemas.microsoft.com/office/powerpoint/2010/main" val="3020172551"/>
       </p:ext>
     </p:extLst>
   </p:cSld>
@@ -1065,7 +1496,7 @@
     </p:spTree>
     <p:extLst>
       <p:ext uri="{BB962C8B-B14F-4D97-AF65-F5344CB8AC3E}">
-        <p14:creationId xmlns:p14="http://schemas.microsoft.com/office/powerpoint/2010/main" xmlns="" val="2507936846"/>
+        <p14:creationId xmlns="" xmlns:p14="http://schemas.microsoft.com/office/powerpoint/2010/main" val="2507936846"/>
       </p:ext>
     </p:extLst>
   </p:cSld>
@@ -1299,7 +1730,7 @@
     </p:spTree>
     <p:extLst>
       <p:ext uri="{BB962C8B-B14F-4D97-AF65-F5344CB8AC3E}">
-        <p14:creationId xmlns:p14="http://schemas.microsoft.com/office/powerpoint/2010/main" xmlns="" val="146920108"/>
+        <p14:creationId xmlns="" xmlns:p14="http://schemas.microsoft.com/office/powerpoint/2010/main" val="146920108"/>
       </p:ext>
     </p:extLst>
   </p:cSld>
@@ -1668,7 +2099,7 @@
     </p:spTree>
     <p:extLst>
       <p:ext uri="{BB962C8B-B14F-4D97-AF65-F5344CB8AC3E}">
-        <p14:creationId xmlns:p14="http://schemas.microsoft.com/office/powerpoint/2010/main" xmlns="" val="3191986627"/>
+        <p14:creationId xmlns="" xmlns:p14="http://schemas.microsoft.com/office/powerpoint/2010/main" val="3191986627"/>
       </p:ext>
     </p:extLst>
   </p:cSld>
@@ -1788,7 +2219,7 @@
     </p:spTree>
     <p:extLst>
       <p:ext uri="{BB962C8B-B14F-4D97-AF65-F5344CB8AC3E}">
-        <p14:creationId xmlns:p14="http://schemas.microsoft.com/office/powerpoint/2010/main" xmlns="" val="3767957001"/>
+        <p14:creationId xmlns="" xmlns:p14="http://schemas.microsoft.com/office/powerpoint/2010/main" val="3767957001"/>
       </p:ext>
     </p:extLst>
   </p:cSld>
@@ -1885,7 +2316,7 @@
     </p:spTree>
     <p:extLst>
       <p:ext uri="{BB962C8B-B14F-4D97-AF65-F5344CB8AC3E}">
-        <p14:creationId xmlns:p14="http://schemas.microsoft.com/office/powerpoint/2010/main" xmlns="" val="3785301974"/>
+        <p14:creationId xmlns="" xmlns:p14="http://schemas.microsoft.com/office/powerpoint/2010/main" val="3785301974"/>
       </p:ext>
     </p:extLst>
   </p:cSld>
@@ -2164,7 +2595,7 @@
     </p:spTree>
     <p:extLst>
       <p:ext uri="{BB962C8B-B14F-4D97-AF65-F5344CB8AC3E}">
-        <p14:creationId xmlns:p14="http://schemas.microsoft.com/office/powerpoint/2010/main" xmlns="" val="717968001"/>
+        <p14:creationId xmlns="" xmlns:p14="http://schemas.microsoft.com/office/powerpoint/2010/main" val="717968001"/>
       </p:ext>
     </p:extLst>
   </p:cSld>
@@ -2419,7 +2850,7 @@
     </p:spTree>
     <p:extLst>
       <p:ext uri="{BB962C8B-B14F-4D97-AF65-F5344CB8AC3E}">
-        <p14:creationId xmlns:p14="http://schemas.microsoft.com/office/powerpoint/2010/main" xmlns="" val="1299233236"/>
+        <p14:creationId xmlns="" xmlns:p14="http://schemas.microsoft.com/office/powerpoint/2010/main" val="1299233236"/>
       </p:ext>
     </p:extLst>
   </p:cSld>
@@ -2670,7 +3101,7 @@
     </p:spTree>
     <p:extLst>
       <p:ext uri="{BB962C8B-B14F-4D97-AF65-F5344CB8AC3E}">
-        <p14:creationId xmlns:p14="http://schemas.microsoft.com/office/powerpoint/2010/main" xmlns="" val="3086751798"/>
+        <p14:creationId xmlns="" xmlns:p14="http://schemas.microsoft.com/office/powerpoint/2010/main" val="3086751798"/>
       </p:ext>
     </p:extLst>
   </p:cSld>
@@ -3630,11 +4061,7 @@
             <a:pPr algn="r"/>
             <a:r>
               <a:rPr lang="fr-FR" sz="800" smtClean="0"/>
-              <a:t>Life points</a:t>
-            </a:r>
-            <a:r>
-              <a:rPr lang="fr-FR" sz="800" smtClean="0"/>
-              <a:t> </a:t>
+              <a:t>Life points </a:t>
             </a:r>
             <a:r>
               <a:rPr lang="fr-FR" sz="800" dirty="0" smtClean="0"/>
@@ -4083,11 +4510,7 @@
           <a:p>
             <a:r>
               <a:rPr lang="fr-FR" sz="800" smtClean="0"/>
-              <a:t>Life points</a:t>
-            </a:r>
-            <a:r>
-              <a:rPr lang="fr-FR" sz="800" smtClean="0"/>
-              <a:t> </a:t>
+              <a:t>Life points </a:t>
             </a:r>
             <a:r>
               <a:rPr lang="fr-FR" sz="800" dirty="0" smtClean="0"/>
@@ -4214,19 +4637,7 @@
             <a:pPr algn="ctr"/>
             <a:r>
               <a:rPr lang="fr-FR" sz="800" smtClean="0"/>
-              <a:t>Life points</a:t>
-            </a:r>
-            <a:r>
-              <a:rPr lang="fr-FR" sz="800" smtClean="0"/>
-              <a:t> </a:t>
-            </a:r>
-            <a:r>
-              <a:rPr lang="fr-FR" sz="800" smtClean="0"/>
-              <a:t>&gt;</a:t>
-            </a:r>
-            <a:r>
-              <a:rPr lang="fr-FR" sz="800" smtClean="0"/>
-              <a:t> </a:t>
+              <a:t>Life points &gt; </a:t>
             </a:r>
             <a:r>
               <a:rPr lang="fr-FR" sz="800" dirty="0" smtClean="0"/>
@@ -4370,10 +4781,170 @@
           </a:p>
         </p:txBody>
       </p:sp>
+      <p:cxnSp>
+        <p:nvCxnSpPr>
+          <p:cNvPr id="35" name="Connecteur droit avec flèche 34"/>
+          <p:cNvCxnSpPr>
+            <a:endCxn id="4" idx="0"/>
+          </p:cNvCxnSpPr>
+          <p:nvPr/>
+        </p:nvCxnSpPr>
+        <p:spPr>
+          <a:xfrm>
+            <a:off x="1628140" y="355600"/>
+            <a:ext cx="152" cy="201816"/>
+          </a:xfrm>
+          <a:prstGeom prst="straightConnector1">
+            <a:avLst/>
+          </a:prstGeom>
+          <a:ln>
+            <a:headEnd type="oval"/>
+            <a:tailEnd type="triangle"/>
+          </a:ln>
+        </p:spPr>
+        <p:style>
+          <a:lnRef idx="1">
+            <a:schemeClr val="dk1"/>
+          </a:lnRef>
+          <a:fillRef idx="0">
+            <a:schemeClr val="dk1"/>
+          </a:fillRef>
+          <a:effectRef idx="0">
+            <a:schemeClr val="dk1"/>
+          </a:effectRef>
+          <a:fontRef idx="minor">
+            <a:schemeClr val="tx1"/>
+          </a:fontRef>
+        </p:style>
+      </p:cxnSp>
+      <p:sp>
+        <p:nvSpPr>
+          <p:cNvPr id="51" name="Ellipse 50"/>
+          <p:cNvSpPr/>
+          <p:nvPr/>
+        </p:nvSpPr>
+        <p:spPr>
+          <a:xfrm>
+            <a:off x="9665970" y="2113915"/>
+            <a:ext cx="124460" cy="124460"/>
+          </a:xfrm>
+          <a:prstGeom prst="ellipse">
+            <a:avLst/>
+          </a:prstGeom>
+          <a:noFill/>
+          <a:ln>
+            <a:solidFill>
+              <a:schemeClr val="tx1"/>
+            </a:solidFill>
+          </a:ln>
+        </p:spPr>
+        <p:style>
+          <a:lnRef idx="2">
+            <a:schemeClr val="accent6"/>
+          </a:lnRef>
+          <a:fillRef idx="1">
+            <a:schemeClr val="lt1"/>
+          </a:fillRef>
+          <a:effectRef idx="0">
+            <a:schemeClr val="accent6"/>
+          </a:effectRef>
+          <a:fontRef idx="minor">
+            <a:schemeClr val="dk1"/>
+          </a:fontRef>
+        </p:style>
+        <p:txBody>
+          <a:bodyPr rtlCol="0" anchor="ctr"/>
+          <a:lstStyle/>
+          <a:p>
+            <a:pPr algn="ctr"/>
+            <a:endParaRPr lang="fr-FR"/>
+          </a:p>
+        </p:txBody>
+      </p:sp>
+      <p:cxnSp>
+        <p:nvCxnSpPr>
+          <p:cNvPr id="52" name="Connecteur droit avec flèche 51"/>
+          <p:cNvCxnSpPr/>
+          <p:nvPr/>
+        </p:nvCxnSpPr>
+        <p:spPr>
+          <a:xfrm flipV="1">
+            <a:off x="9729470" y="2232025"/>
+            <a:ext cx="0" cy="262890"/>
+          </a:xfrm>
+          <a:prstGeom prst="straightConnector1">
+            <a:avLst/>
+          </a:prstGeom>
+          <a:ln>
+            <a:headEnd type="none"/>
+            <a:tailEnd type="triangle"/>
+          </a:ln>
+        </p:spPr>
+        <p:style>
+          <a:lnRef idx="1">
+            <a:schemeClr val="dk1"/>
+          </a:lnRef>
+          <a:fillRef idx="0">
+            <a:schemeClr val="dk1"/>
+          </a:fillRef>
+          <a:effectRef idx="0">
+            <a:schemeClr val="dk1"/>
+          </a:effectRef>
+          <a:fontRef idx="minor">
+            <a:schemeClr val="tx1"/>
+          </a:fontRef>
+        </p:style>
+      </p:cxnSp>
+      <p:sp>
+        <p:nvSpPr>
+          <p:cNvPr id="68" name="Ellipse 67"/>
+          <p:cNvSpPr/>
+          <p:nvPr/>
+        </p:nvSpPr>
+        <p:spPr>
+          <a:xfrm>
+            <a:off x="9698355" y="2145030"/>
+            <a:ext cx="63499" cy="64769"/>
+          </a:xfrm>
+          <a:prstGeom prst="ellipse">
+            <a:avLst/>
+          </a:prstGeom>
+          <a:solidFill>
+            <a:schemeClr val="tx1"/>
+          </a:solidFill>
+          <a:ln>
+            <a:solidFill>
+              <a:schemeClr val="tx1"/>
+            </a:solidFill>
+          </a:ln>
+        </p:spPr>
+        <p:style>
+          <a:lnRef idx="2">
+            <a:schemeClr val="accent6"/>
+          </a:lnRef>
+          <a:fillRef idx="1">
+            <a:schemeClr val="lt1"/>
+          </a:fillRef>
+          <a:effectRef idx="0">
+            <a:schemeClr val="accent6"/>
+          </a:effectRef>
+          <a:fontRef idx="minor">
+            <a:schemeClr val="dk1"/>
+          </a:fontRef>
+        </p:style>
+        <p:txBody>
+          <a:bodyPr rtlCol="0" anchor="ctr"/>
+          <a:lstStyle/>
+          <a:p>
+            <a:pPr algn="ctr"/>
+            <a:endParaRPr lang="fr-FR"/>
+          </a:p>
+        </p:txBody>
+      </p:sp>
     </p:spTree>
     <p:extLst>
       <p:ext uri="{BB962C8B-B14F-4D97-AF65-F5344CB8AC3E}">
-        <p14:creationId xmlns:p14="http://schemas.microsoft.com/office/powerpoint/2010/main" xmlns="" val="2258513475"/>
+        <p14:creationId xmlns="" xmlns:p14="http://schemas.microsoft.com/office/powerpoint/2010/main" val="2258513475"/>
       </p:ext>
     </p:extLst>
   </p:cSld>
@@ -4638,8 +5209,291 @@
   <a:extraClrSchemeLst/>
   <a:extLst>
     <a:ext uri="{05A4C25C-085E-4340-85A3-A5531E510DB2}">
-      <thm15:themeFamily xmlns:thm15="http://schemas.microsoft.com/office/thememl/2012/main" xmlns="" name="Office Theme" id="{62F939B6-93AF-4DB8-9C6B-D6C7DFDC589F}" vid="{4A3C46E8-61CC-4603-A589-7422A47A8E4A}"/>
+      <thm15:themeFamily xmlns="" xmlns:thm15="http://schemas.microsoft.com/office/thememl/2012/main" name="Office Theme" id="{62F939B6-93AF-4DB8-9C6B-D6C7DFDC589F}" vid="{4A3C46E8-61CC-4603-A589-7422A47A8E4A}"/>
     </a:ext>
   </a:extLst>
 </a:theme>
+</file>
+
+<file path=ppt/theme/theme2.xml><?xml version="1.0" encoding="utf-8"?>
+<a:theme xmlns:a="http://schemas.openxmlformats.org/drawingml/2006/main" name="Thème Office">
+  <a:themeElements>
+    <a:clrScheme name="Office">
+      <a:dk1>
+        <a:sysClr val="windowText" lastClr="000000"/>
+      </a:dk1>
+      <a:lt1>
+        <a:sysClr val="window" lastClr="FFFFFF"/>
+      </a:lt1>
+      <a:dk2>
+        <a:srgbClr val="1F497D"/>
+      </a:dk2>
+      <a:lt2>
+        <a:srgbClr val="EEECE1"/>
+      </a:lt2>
+      <a:accent1>
+        <a:srgbClr val="4F81BD"/>
+      </a:accent1>
+      <a:accent2>
+        <a:srgbClr val="C0504D"/>
+      </a:accent2>
+      <a:accent3>
+        <a:srgbClr val="9BBB59"/>
+      </a:accent3>
+      <a:accent4>
+        <a:srgbClr val="8064A2"/>
+      </a:accent4>
+      <a:accent5>
+        <a:srgbClr val="4BACC6"/>
+      </a:accent5>
+      <a:accent6>
+        <a:srgbClr val="F79646"/>
+      </a:accent6>
+      <a:hlink>
+        <a:srgbClr val="0000FF"/>
+      </a:hlink>
+      <a:folHlink>
+        <a:srgbClr val="800080"/>
+      </a:folHlink>
+    </a:clrScheme>
+    <a:fontScheme name="Office">
+      <a:majorFont>
+        <a:latin typeface="Calibri"/>
+        <a:ea typeface=""/>
+        <a:cs typeface=""/>
+        <a:font script="Jpan" typeface="ＭＳ Ｐゴシック"/>
+        <a:font script="Hang" typeface="맑은 고딕"/>
+        <a:font script="Hans" typeface="宋体"/>
+        <a:font script="Hant" typeface="新細明體"/>
+        <a:font script="Arab" typeface="Times New Roman"/>
+        <a:font script="Hebr" typeface="Times New Roman"/>
+        <a:font script="Thai" typeface="Angsana New"/>
+        <a:font script="Ethi" typeface="Nyala"/>
+        <a:font script="Beng" typeface="Vrinda"/>
+        <a:font script="Gujr" typeface="Shruti"/>
+        <a:font script="Khmr" typeface="MoolBoran"/>
+        <a:font script="Knda" typeface="Tunga"/>
+        <a:font script="Guru" typeface="Raavi"/>
+        <a:font script="Cans" typeface="Euphemia"/>
+        <a:font script="Cher" typeface="Plantagenet Cherokee"/>
+        <a:font script="Yiii" typeface="Microsoft Yi Baiti"/>
+        <a:font script="Tibt" typeface="Microsoft Himalaya"/>
+        <a:font script="Thaa" typeface="MV Boli"/>
+        <a:font script="Deva" typeface="Mangal"/>
+        <a:font script="Telu" typeface="Gautami"/>
+        <a:font script="Taml" typeface="Latha"/>
+        <a:font script="Syrc" typeface="Estrangelo Edessa"/>
+        <a:font script="Orya" typeface="Kalinga"/>
+        <a:font script="Mlym" typeface="Kartika"/>
+        <a:font script="Laoo" typeface="DokChampa"/>
+        <a:font script="Sinh" typeface="Iskoola Pota"/>
+        <a:font script="Mong" typeface="Mongolian Baiti"/>
+        <a:font script="Viet" typeface="Times New Roman"/>
+        <a:font script="Uigh" typeface="Microsoft Uighur"/>
+      </a:majorFont>
+      <a:minorFont>
+        <a:latin typeface="Calibri"/>
+        <a:ea typeface=""/>
+        <a:cs typeface=""/>
+        <a:font script="Jpan" typeface="ＭＳ Ｐゴシック"/>
+        <a:font script="Hang" typeface="맑은 고딕"/>
+        <a:font script="Hans" typeface="宋体"/>
+        <a:font script="Hant" typeface="新細明體"/>
+        <a:font script="Arab" typeface="Arial"/>
+        <a:font script="Hebr" typeface="Arial"/>
+        <a:font script="Thai" typeface="Cordia New"/>
+        <a:font script="Ethi" typeface="Nyala"/>
+        <a:font script="Beng" typeface="Vrinda"/>
+        <a:font script="Gujr" typeface="Shruti"/>
+        <a:font script="Khmr" typeface="DaunPenh"/>
+        <a:font script="Knda" typeface="Tunga"/>
+        <a:font script="Guru" typeface="Raavi"/>
+        <a:font script="Cans" typeface="Euphemia"/>
+        <a:font script="Cher" typeface="Plantagenet Cherokee"/>
+        <a:font script="Yiii" typeface="Microsoft Yi Baiti"/>
+        <a:font script="Tibt" typeface="Microsoft Himalaya"/>
+        <a:font script="Thaa" typeface="MV Boli"/>
+        <a:font script="Deva" typeface="Mangal"/>
+        <a:font script="Telu" typeface="Gautami"/>
+        <a:font script="Taml" typeface="Latha"/>
+        <a:font script="Syrc" typeface="Estrangelo Edessa"/>
+        <a:font script="Orya" typeface="Kalinga"/>
+        <a:font script="Mlym" typeface="Kartika"/>
+        <a:font script="Laoo" typeface="DokChampa"/>
+        <a:font script="Sinh" typeface="Iskoola Pota"/>
+        <a:font script="Mong" typeface="Mongolian Baiti"/>
+        <a:font script="Viet" typeface="Arial"/>
+        <a:font script="Uigh" typeface="Microsoft Uighur"/>
+      </a:minorFont>
+    </a:fontScheme>
+    <a:fmtScheme name="Office">
+      <a:fillStyleLst>
+        <a:solidFill>
+          <a:schemeClr val="phClr"/>
+        </a:solidFill>
+        <a:gradFill rotWithShape="1">
+          <a:gsLst>
+            <a:gs pos="0">
+              <a:schemeClr val="phClr">
+                <a:tint val="50000"/>
+                <a:satMod val="300000"/>
+              </a:schemeClr>
+            </a:gs>
+            <a:gs pos="35000">
+              <a:schemeClr val="phClr">
+                <a:tint val="37000"/>
+                <a:satMod val="300000"/>
+              </a:schemeClr>
+            </a:gs>
+            <a:gs pos="100000">
+              <a:schemeClr val="phClr">
+                <a:tint val="15000"/>
+                <a:satMod val="350000"/>
+              </a:schemeClr>
+            </a:gs>
+          </a:gsLst>
+          <a:lin ang="16200000" scaled="1"/>
+        </a:gradFill>
+        <a:gradFill rotWithShape="1">
+          <a:gsLst>
+            <a:gs pos="0">
+              <a:schemeClr val="phClr">
+                <a:shade val="51000"/>
+                <a:satMod val="130000"/>
+              </a:schemeClr>
+            </a:gs>
+            <a:gs pos="80000">
+              <a:schemeClr val="phClr">
+                <a:shade val="93000"/>
+                <a:satMod val="130000"/>
+              </a:schemeClr>
+            </a:gs>
+            <a:gs pos="100000">
+              <a:schemeClr val="phClr">
+                <a:shade val="94000"/>
+                <a:satMod val="135000"/>
+              </a:schemeClr>
+            </a:gs>
+          </a:gsLst>
+          <a:lin ang="16200000" scaled="0"/>
+        </a:gradFill>
+      </a:fillStyleLst>
+      <a:lnStyleLst>
+        <a:ln w="9525" cap="flat" cmpd="sng" algn="ctr">
+          <a:solidFill>
+            <a:schemeClr val="phClr">
+              <a:shade val="95000"/>
+              <a:satMod val="105000"/>
+            </a:schemeClr>
+          </a:solidFill>
+          <a:prstDash val="solid"/>
+        </a:ln>
+        <a:ln w="25400" cap="flat" cmpd="sng" algn="ctr">
+          <a:solidFill>
+            <a:schemeClr val="phClr"/>
+          </a:solidFill>
+          <a:prstDash val="solid"/>
+        </a:ln>
+        <a:ln w="38100" cap="flat" cmpd="sng" algn="ctr">
+          <a:solidFill>
+            <a:schemeClr val="phClr"/>
+          </a:solidFill>
+          <a:prstDash val="solid"/>
+        </a:ln>
+      </a:lnStyleLst>
+      <a:effectStyleLst>
+        <a:effectStyle>
+          <a:effectLst>
+            <a:outerShdw blurRad="40000" dist="20000" dir="5400000" rotWithShape="0">
+              <a:srgbClr val="000000">
+                <a:alpha val="38000"/>
+              </a:srgbClr>
+            </a:outerShdw>
+          </a:effectLst>
+        </a:effectStyle>
+        <a:effectStyle>
+          <a:effectLst>
+            <a:outerShdw blurRad="40000" dist="23000" dir="5400000" rotWithShape="0">
+              <a:srgbClr val="000000">
+                <a:alpha val="35000"/>
+              </a:srgbClr>
+            </a:outerShdw>
+          </a:effectLst>
+        </a:effectStyle>
+        <a:effectStyle>
+          <a:effectLst>
+            <a:outerShdw blurRad="40000" dist="23000" dir="5400000" rotWithShape="0">
+              <a:srgbClr val="000000">
+                <a:alpha val="35000"/>
+              </a:srgbClr>
+            </a:outerShdw>
+          </a:effectLst>
+          <a:scene3d>
+            <a:camera prst="orthographicFront">
+              <a:rot lat="0" lon="0" rev="0"/>
+            </a:camera>
+            <a:lightRig rig="threePt" dir="t">
+              <a:rot lat="0" lon="0" rev="1200000"/>
+            </a:lightRig>
+          </a:scene3d>
+          <a:sp3d>
+            <a:bevelT w="63500" h="25400"/>
+          </a:sp3d>
+        </a:effectStyle>
+      </a:effectStyleLst>
+      <a:bgFillStyleLst>
+        <a:solidFill>
+          <a:schemeClr val="phClr"/>
+        </a:solidFill>
+        <a:gradFill rotWithShape="1">
+          <a:gsLst>
+            <a:gs pos="0">
+              <a:schemeClr val="phClr">
+                <a:tint val="40000"/>
+                <a:satMod val="350000"/>
+              </a:schemeClr>
+            </a:gs>
+            <a:gs pos="40000">
+              <a:schemeClr val="phClr">
+                <a:tint val="45000"/>
+                <a:shade val="99000"/>
+                <a:satMod val="350000"/>
+              </a:schemeClr>
+            </a:gs>
+            <a:gs pos="100000">
+              <a:schemeClr val="phClr">
+                <a:shade val="20000"/>
+                <a:satMod val="255000"/>
+              </a:schemeClr>
+            </a:gs>
+          </a:gsLst>
+          <a:path path="circle">
+            <a:fillToRect l="50000" t="-80000" r="50000" b="180000"/>
+          </a:path>
+        </a:gradFill>
+        <a:gradFill rotWithShape="1">
+          <a:gsLst>
+            <a:gs pos="0">
+              <a:schemeClr val="phClr">
+                <a:tint val="80000"/>
+                <a:satMod val="300000"/>
+              </a:schemeClr>
+            </a:gs>
+            <a:gs pos="100000">
+              <a:schemeClr val="phClr">
+                <a:shade val="30000"/>
+                <a:satMod val="200000"/>
+              </a:schemeClr>
+            </a:gs>
+          </a:gsLst>
+          <a:path path="circle">
+            <a:fillToRect l="50000" t="50000" r="50000" b="50000"/>
+          </a:path>
+        </a:gradFill>
+      </a:bgFillStyleLst>
+    </a:fmtScheme>
+  </a:themeElements>
+  <a:objectDefaults/>
+  <a:extraClrSchemeLst/>
+</a:theme>
 </file>
--- a/report/modelisation/figure/unit_lifecycle.pptx
+++ b/report/modelisation/figure/unit_lifecycle.pptx
@@ -192,7 +192,8 @@
           <a:p>
             <a:fld id="{361B864C-CA8A-47CC-B68C-041B737308F3}" type="datetimeFigureOut">
               <a:rPr lang="fr-FR" smtClean="0"/>
-              <a:t>09/11/2014</a:t>
+              <a:pPr/>
+              <a:t>17/11/2014</a:t>
             </a:fld>
             <a:endParaRPr lang="fr-FR"/>
           </a:p>
@@ -353,6 +354,7 @@
           <a:p>
             <a:fld id="{3AC9D27F-DA7B-4E5A-9DAB-63219B120FFA}" type="slidenum">
               <a:rPr lang="fr-FR" smtClean="0"/>
+              <a:pPr/>
               <a:t>‹N°›</a:t>
             </a:fld>
             <a:endParaRPr lang="fr-FR"/>
@@ -524,6 +526,7 @@
           <a:p>
             <a:fld id="{3AC9D27F-DA7B-4E5A-9DAB-63219B120FFA}" type="slidenum">
               <a:rPr lang="fr-FR" smtClean="0"/>
+              <a:pPr/>
               <a:t>1</a:t>
             </a:fld>
             <a:endParaRPr lang="fr-FR"/>
@@ -670,7 +673,7 @@
             <a:fld id="{8ADA6E41-7078-4CE7-A6C4-FCC12FD1DCFF}" type="datetimeFigureOut">
               <a:rPr lang="fr-FR" smtClean="0"/>
               <a:pPr/>
-              <a:t>09/11/2014</a:t>
+              <a:t>17/11/2014</a:t>
             </a:fld>
             <a:endParaRPr lang="fr-FR"/>
           </a:p>
@@ -842,7 +845,7 @@
             <a:fld id="{8ADA6E41-7078-4CE7-A6C4-FCC12FD1DCFF}" type="datetimeFigureOut">
               <a:rPr lang="fr-FR" smtClean="0"/>
               <a:pPr/>
-              <a:t>09/11/2014</a:t>
+              <a:t>17/11/2014</a:t>
             </a:fld>
             <a:endParaRPr lang="fr-FR"/>
           </a:p>
@@ -1024,7 +1027,7 @@
             <a:fld id="{8ADA6E41-7078-4CE7-A6C4-FCC12FD1DCFF}" type="datetimeFigureOut">
               <a:rPr lang="fr-FR" smtClean="0"/>
               <a:pPr/>
-              <a:t>09/11/2014</a:t>
+              <a:t>17/11/2014</a:t>
             </a:fld>
             <a:endParaRPr lang="fr-FR"/>
           </a:p>
@@ -1196,7 +1199,7 @@
             <a:fld id="{8ADA6E41-7078-4CE7-A6C4-FCC12FD1DCFF}" type="datetimeFigureOut">
               <a:rPr lang="fr-FR" smtClean="0"/>
               <a:pPr/>
-              <a:t>09/11/2014</a:t>
+              <a:t>17/11/2014</a:t>
             </a:fld>
             <a:endParaRPr lang="fr-FR"/>
           </a:p>
@@ -1444,7 +1447,7 @@
             <a:fld id="{8ADA6E41-7078-4CE7-A6C4-FCC12FD1DCFF}" type="datetimeFigureOut">
               <a:rPr lang="fr-FR" smtClean="0"/>
               <a:pPr/>
-              <a:t>09/11/2014</a:t>
+              <a:t>17/11/2014</a:t>
             </a:fld>
             <a:endParaRPr lang="fr-FR"/>
           </a:p>
@@ -1678,7 +1681,7 @@
             <a:fld id="{8ADA6E41-7078-4CE7-A6C4-FCC12FD1DCFF}" type="datetimeFigureOut">
               <a:rPr lang="fr-FR" smtClean="0"/>
               <a:pPr/>
-              <a:t>09/11/2014</a:t>
+              <a:t>17/11/2014</a:t>
             </a:fld>
             <a:endParaRPr lang="fr-FR"/>
           </a:p>
@@ -2047,7 +2050,7 @@
             <a:fld id="{8ADA6E41-7078-4CE7-A6C4-FCC12FD1DCFF}" type="datetimeFigureOut">
               <a:rPr lang="fr-FR" smtClean="0"/>
               <a:pPr/>
-              <a:t>09/11/2014</a:t>
+              <a:t>17/11/2014</a:t>
             </a:fld>
             <a:endParaRPr lang="fr-FR"/>
           </a:p>
@@ -2167,7 +2170,7 @@
             <a:fld id="{8ADA6E41-7078-4CE7-A6C4-FCC12FD1DCFF}" type="datetimeFigureOut">
               <a:rPr lang="fr-FR" smtClean="0"/>
               <a:pPr/>
-              <a:t>09/11/2014</a:t>
+              <a:t>17/11/2014</a:t>
             </a:fld>
             <a:endParaRPr lang="fr-FR"/>
           </a:p>
@@ -2264,7 +2267,7 @@
             <a:fld id="{8ADA6E41-7078-4CE7-A6C4-FCC12FD1DCFF}" type="datetimeFigureOut">
               <a:rPr lang="fr-FR" smtClean="0"/>
               <a:pPr/>
-              <a:t>09/11/2014</a:t>
+              <a:t>17/11/2014</a:t>
             </a:fld>
             <a:endParaRPr lang="fr-FR"/>
           </a:p>
@@ -2543,7 +2546,7 @@
             <a:fld id="{8ADA6E41-7078-4CE7-A6C4-FCC12FD1DCFF}" type="datetimeFigureOut">
               <a:rPr lang="fr-FR" smtClean="0"/>
               <a:pPr/>
-              <a:t>09/11/2014</a:t>
+              <a:t>17/11/2014</a:t>
             </a:fld>
             <a:endParaRPr lang="fr-FR"/>
           </a:p>
@@ -2798,7 +2801,7 @@
             <a:fld id="{8ADA6E41-7078-4CE7-A6C4-FCC12FD1DCFF}" type="datetimeFigureOut">
               <a:rPr lang="fr-FR" smtClean="0"/>
               <a:pPr/>
-              <a:t>09/11/2014</a:t>
+              <a:t>17/11/2014</a:t>
             </a:fld>
             <a:endParaRPr lang="fr-FR"/>
           </a:p>
@@ -3013,7 +3016,7 @@
             <a:fld id="{8ADA6E41-7078-4CE7-A6C4-FCC12FD1DCFF}" type="datetimeFigureOut">
               <a:rPr lang="fr-FR" smtClean="0"/>
               <a:pPr/>
-              <a:t>09/11/2014</a:t>
+              <a:t>17/11/2014</a:t>
             </a:fld>
             <a:endParaRPr lang="fr-FR"/>
           </a:p>
@@ -3427,8 +3430,8 @@
         </p:nvSpPr>
         <p:spPr>
           <a:xfrm>
-            <a:off x="804508" y="557416"/>
-            <a:ext cx="1647567" cy="238363"/>
+            <a:off x="804508" y="523364"/>
+            <a:ext cx="1647567" cy="306467"/>
           </a:xfrm>
           <a:prstGeom prst="roundRect">
             <a:avLst/>
@@ -3436,16 +3439,18 @@
         </p:spPr>
         <p:style>
           <a:lnRef idx="2">
-            <a:schemeClr val="dk1"/>
+            <a:schemeClr val="accent5">
+              <a:shade val="50000"/>
+            </a:schemeClr>
           </a:lnRef>
           <a:fillRef idx="1">
-            <a:schemeClr val="lt1"/>
+            <a:schemeClr val="accent5"/>
           </a:fillRef>
           <a:effectRef idx="0">
-            <a:schemeClr val="dk1"/>
+            <a:schemeClr val="accent5"/>
           </a:effectRef>
           <a:fontRef idx="minor">
-            <a:schemeClr val="dk1"/>
+            <a:schemeClr val="lt1"/>
           </a:fontRef>
         </p:style>
         <p:txBody>
@@ -3456,10 +3461,10 @@
           <a:p>
             <a:pPr algn="ctr"/>
             <a:r>
-              <a:rPr lang="fr-FR" sz="800" smtClean="0"/>
+              <a:rPr lang="fr-FR" sz="1200" smtClean="0"/>
               <a:t>Ready</a:t>
             </a:r>
-            <a:endParaRPr lang="fr-FR" sz="800" dirty="0" smtClean="0"/>
+            <a:endParaRPr lang="fr-FR" sz="1200" dirty="0" smtClean="0"/>
           </a:p>
         </p:txBody>
       </p:sp>
@@ -3471,8 +3476,8 @@
         </p:nvSpPr>
         <p:spPr>
           <a:xfrm>
-            <a:off x="4808670" y="555045"/>
-            <a:ext cx="1935893" cy="238363"/>
+            <a:off x="4808670" y="520993"/>
+            <a:ext cx="1935893" cy="306467"/>
           </a:xfrm>
           <a:prstGeom prst="roundRect">
             <a:avLst/>
@@ -3480,16 +3485,18 @@
         </p:spPr>
         <p:style>
           <a:lnRef idx="2">
-            <a:schemeClr val="dk1"/>
+            <a:schemeClr val="accent5">
+              <a:shade val="50000"/>
+            </a:schemeClr>
           </a:lnRef>
           <a:fillRef idx="1">
-            <a:schemeClr val="lt1"/>
+            <a:schemeClr val="accent5"/>
           </a:fillRef>
           <a:effectRef idx="0">
-            <a:schemeClr val="dk1"/>
+            <a:schemeClr val="accent5"/>
           </a:effectRef>
           <a:fontRef idx="minor">
-            <a:schemeClr val="dk1"/>
+            <a:schemeClr val="lt1"/>
           </a:fontRef>
         </p:style>
         <p:txBody>
@@ -3500,10 +3507,10 @@
           <a:p>
             <a:pPr algn="ctr"/>
             <a:r>
-              <a:rPr lang="fr-FR" sz="800" smtClean="0"/>
+              <a:rPr lang="fr-FR" sz="1200" smtClean="0"/>
               <a:t>Selected</a:t>
             </a:r>
-            <a:endParaRPr lang="fr-FR" sz="800" dirty="0" smtClean="0"/>
+            <a:endParaRPr lang="fr-FR" sz="1200" dirty="0" smtClean="0"/>
           </a:p>
         </p:txBody>
       </p:sp>
@@ -3551,8 +3558,8 @@
         </p:nvCxnSpPr>
         <p:spPr>
           <a:xfrm>
-            <a:off x="5776617" y="793408"/>
-            <a:ext cx="867" cy="666584"/>
+            <a:off x="5776617" y="827460"/>
+            <a:ext cx="867" cy="632532"/>
           </a:xfrm>
           <a:prstGeom prst="straightConnector1">
             <a:avLst/>
@@ -3584,8 +3591,8 @@
         </p:nvSpPr>
         <p:spPr>
           <a:xfrm>
-            <a:off x="4807598" y="2506703"/>
-            <a:ext cx="1935893" cy="238363"/>
+            <a:off x="4807598" y="2472651"/>
+            <a:ext cx="1935893" cy="306467"/>
           </a:xfrm>
           <a:prstGeom prst="roundRect">
             <a:avLst/>
@@ -3593,16 +3600,18 @@
         </p:spPr>
         <p:style>
           <a:lnRef idx="2">
-            <a:schemeClr val="dk1"/>
+            <a:schemeClr val="accent5">
+              <a:shade val="50000"/>
+            </a:schemeClr>
           </a:lnRef>
           <a:fillRef idx="1">
-            <a:schemeClr val="lt1"/>
+            <a:schemeClr val="accent5"/>
           </a:fillRef>
           <a:effectRef idx="0">
-            <a:schemeClr val="dk1"/>
+            <a:schemeClr val="accent5"/>
           </a:effectRef>
           <a:fontRef idx="minor">
-            <a:schemeClr val="dk1"/>
+            <a:schemeClr val="lt1"/>
           </a:fontRef>
         </p:style>
         <p:txBody>
@@ -3613,10 +3622,10 @@
           <a:p>
             <a:pPr algn="ctr"/>
             <a:r>
-              <a:rPr lang="fr-FR" sz="800" smtClean="0"/>
+              <a:rPr lang="fr-FR" sz="1200" smtClean="0"/>
               <a:t>Moving</a:t>
             </a:r>
-            <a:endParaRPr lang="fr-FR" sz="800" dirty="0" smtClean="0"/>
+            <a:endParaRPr lang="fr-FR" sz="1200" dirty="0" smtClean="0"/>
           </a:p>
         </p:txBody>
       </p:sp>
@@ -3628,8 +3637,8 @@
         </p:nvSpPr>
         <p:spPr>
           <a:xfrm>
-            <a:off x="7565389" y="1485696"/>
-            <a:ext cx="1935893" cy="238363"/>
+            <a:off x="7565389" y="1451644"/>
+            <a:ext cx="1935893" cy="306467"/>
           </a:xfrm>
           <a:prstGeom prst="roundRect">
             <a:avLst/>
@@ -3637,16 +3646,18 @@
         </p:spPr>
         <p:style>
           <a:lnRef idx="2">
-            <a:schemeClr val="dk1"/>
+            <a:schemeClr val="accent5">
+              <a:shade val="50000"/>
+            </a:schemeClr>
           </a:lnRef>
           <a:fillRef idx="1">
-            <a:schemeClr val="lt1"/>
+            <a:schemeClr val="accent5"/>
           </a:fillRef>
           <a:effectRef idx="0">
-            <a:schemeClr val="dk1"/>
+            <a:schemeClr val="accent5"/>
           </a:effectRef>
           <a:fontRef idx="minor">
-            <a:schemeClr val="dk1"/>
+            <a:schemeClr val="lt1"/>
           </a:fontRef>
         </p:style>
         <p:txBody>
@@ -3657,10 +3668,10 @@
           <a:p>
             <a:pPr algn="ctr"/>
             <a:r>
-              <a:rPr lang="fr-FR" sz="800" smtClean="0"/>
+              <a:rPr lang="fr-FR" sz="1200" smtClean="0"/>
               <a:t>Fighting</a:t>
             </a:r>
-            <a:endParaRPr lang="fr-FR" sz="800" dirty="0" smtClean="0"/>
+            <a:endParaRPr lang="fr-FR" sz="1200" dirty="0" smtClean="0"/>
           </a:p>
         </p:txBody>
       </p:sp>
@@ -3672,8 +3683,8 @@
         </p:nvSpPr>
         <p:spPr>
           <a:xfrm>
-            <a:off x="2924105" y="448039"/>
-            <a:ext cx="1404553" cy="215444"/>
+            <a:off x="2893625" y="387079"/>
+            <a:ext cx="1404553" cy="276999"/>
           </a:xfrm>
           <a:prstGeom prst="rect">
             <a:avLst/>
@@ -3706,10 +3717,10 @@
           <a:p>
             <a:pPr algn="ctr"/>
             <a:r>
-              <a:rPr lang="fr-FR" sz="800" smtClean="0"/>
+              <a:rPr lang="fr-FR" sz="1200" smtClean="0"/>
               <a:t>Select unit</a:t>
             </a:r>
-            <a:endParaRPr lang="fr-FR" sz="800" dirty="0" smtClean="0"/>
+            <a:endParaRPr lang="fr-FR" sz="1200" dirty="0" smtClean="0"/>
           </a:p>
         </p:txBody>
       </p:sp>
@@ -3722,7 +3733,7 @@
         <p:spPr>
           <a:xfrm>
             <a:off x="5772912" y="965857"/>
-            <a:ext cx="1097379" cy="215444"/>
+            <a:ext cx="1641348" cy="276999"/>
           </a:xfrm>
           <a:prstGeom prst="rect">
             <a:avLst/>
@@ -3754,10 +3765,10 @@
           <a:lstStyle/>
           <a:p>
             <a:r>
-              <a:rPr lang="fr-FR" sz="800" smtClean="0"/>
+              <a:rPr lang="fr-FR" sz="1200" smtClean="0"/>
               <a:t>Select hexagon</a:t>
             </a:r>
-            <a:endParaRPr lang="fr-FR" sz="800" dirty="0" smtClean="0"/>
+            <a:endParaRPr lang="fr-FR" sz="1200" dirty="0" smtClean="0"/>
           </a:p>
         </p:txBody>
       </p:sp>
@@ -3773,7 +3784,7 @@
         <p:spPr>
           <a:xfrm flipH="1">
             <a:off x="5775545" y="1749552"/>
-            <a:ext cx="1939" cy="757151"/>
+            <a:ext cx="1939" cy="723099"/>
           </a:xfrm>
           <a:prstGeom prst="straightConnector1">
             <a:avLst/>
@@ -3806,7 +3817,7 @@
         <p:spPr>
           <a:xfrm>
             <a:off x="5772912" y="1971121"/>
-            <a:ext cx="1425379" cy="215444"/>
+            <a:ext cx="1425379" cy="276999"/>
           </a:xfrm>
           <a:prstGeom prst="rect">
             <a:avLst/>
@@ -3838,10 +3849,10 @@
           <a:lstStyle/>
           <a:p>
             <a:r>
-              <a:rPr lang="fr-FR" sz="800" smtClean="0"/>
+              <a:rPr lang="fr-FR" sz="1200" smtClean="0"/>
               <a:t>Hexagon available</a:t>
             </a:r>
-            <a:endParaRPr lang="fr-FR" sz="800" dirty="0" smtClean="0"/>
+            <a:endParaRPr lang="fr-FR" sz="1200" dirty="0" smtClean="0"/>
           </a:p>
         </p:txBody>
       </p:sp>
@@ -3853,8 +3864,8 @@
         </p:nvSpPr>
         <p:spPr>
           <a:xfrm>
-            <a:off x="6000126" y="1386801"/>
-            <a:ext cx="1404553" cy="215444"/>
+            <a:off x="6012318" y="1325841"/>
+            <a:ext cx="1404553" cy="276999"/>
           </a:xfrm>
           <a:prstGeom prst="rect">
             <a:avLst/>
@@ -3887,10 +3898,10 @@
           <a:p>
             <a:pPr algn="ctr"/>
             <a:r>
-              <a:rPr lang="fr-FR" sz="800" smtClean="0"/>
+              <a:rPr lang="fr-FR" sz="1200" smtClean="0"/>
               <a:t>Hexagon occupied</a:t>
             </a:r>
-            <a:endParaRPr lang="fr-FR" sz="800" dirty="0" smtClean="0"/>
+            <a:endParaRPr lang="fr-FR" sz="1200" dirty="0" smtClean="0"/>
           </a:p>
         </p:txBody>
       </p:sp>
@@ -3938,8 +3949,8 @@
         </p:nvSpPr>
         <p:spPr>
           <a:xfrm>
-            <a:off x="3526409" y="1486209"/>
-            <a:ext cx="1709353" cy="238363"/>
+            <a:off x="3526409" y="1452157"/>
+            <a:ext cx="1709353" cy="306467"/>
           </a:xfrm>
           <a:prstGeom prst="roundRect">
             <a:avLst/>
@@ -3947,16 +3958,18 @@
         </p:spPr>
         <p:style>
           <a:lnRef idx="2">
-            <a:schemeClr val="dk1"/>
+            <a:schemeClr val="accent5">
+              <a:shade val="50000"/>
+            </a:schemeClr>
           </a:lnRef>
           <a:fillRef idx="1">
-            <a:schemeClr val="lt1"/>
+            <a:schemeClr val="accent5"/>
           </a:fillRef>
           <a:effectRef idx="0">
-            <a:schemeClr val="dk1"/>
+            <a:schemeClr val="accent5"/>
           </a:effectRef>
           <a:fontRef idx="minor">
-            <a:schemeClr val="dk1"/>
+            <a:schemeClr val="lt1"/>
           </a:fontRef>
         </p:style>
         <p:txBody>
@@ -3967,10 +3980,10 @@
           <a:p>
             <a:pPr algn="ctr"/>
             <a:r>
-              <a:rPr lang="fr-FR" sz="800" smtClean="0"/>
+              <a:rPr lang="fr-FR" sz="1200" smtClean="0"/>
               <a:t>Unavailable</a:t>
             </a:r>
-            <a:endParaRPr lang="fr-FR" sz="800" dirty="0" smtClean="0"/>
+            <a:endParaRPr lang="fr-FR" sz="1200" dirty="0" smtClean="0"/>
           </a:p>
         </p:txBody>
       </p:sp>
@@ -3982,8 +3995,8 @@
         </p:nvSpPr>
         <p:spPr>
           <a:xfrm>
-            <a:off x="8113389" y="2499156"/>
-            <a:ext cx="1935893" cy="238363"/>
+            <a:off x="8113389" y="2465104"/>
+            <a:ext cx="1935893" cy="306467"/>
           </a:xfrm>
           <a:prstGeom prst="roundRect">
             <a:avLst/>
@@ -3991,16 +4004,18 @@
         </p:spPr>
         <p:style>
           <a:lnRef idx="2">
-            <a:schemeClr val="dk1"/>
+            <a:schemeClr val="accent5">
+              <a:shade val="50000"/>
+            </a:schemeClr>
           </a:lnRef>
           <a:fillRef idx="1">
-            <a:schemeClr val="lt1"/>
+            <a:schemeClr val="accent5"/>
           </a:fillRef>
           <a:effectRef idx="0">
-            <a:schemeClr val="dk1"/>
+            <a:schemeClr val="accent5"/>
           </a:effectRef>
           <a:fontRef idx="minor">
-            <a:schemeClr val="dk1"/>
+            <a:schemeClr val="lt1"/>
           </a:fontRef>
         </p:style>
         <p:txBody>
@@ -4011,10 +4026,10 @@
           <a:p>
             <a:pPr algn="ctr"/>
             <a:r>
-              <a:rPr lang="fr-FR" sz="800" smtClean="0"/>
+              <a:rPr lang="fr-FR" sz="1200" smtClean="0"/>
               <a:t>Dead</a:t>
             </a:r>
-            <a:endParaRPr lang="fr-FR" sz="800" dirty="0" smtClean="0"/>
+            <a:endParaRPr lang="fr-FR" sz="1200" dirty="0" smtClean="0"/>
           </a:p>
         </p:txBody>
       </p:sp>
@@ -4027,7 +4042,7 @@
         <p:spPr>
           <a:xfrm>
             <a:off x="7548372" y="1957183"/>
-            <a:ext cx="1528169" cy="215444"/>
+            <a:ext cx="1687068" cy="276999"/>
           </a:xfrm>
           <a:prstGeom prst="rect">
             <a:avLst/>
@@ -4060,11 +4075,11 @@
           <a:p>
             <a:pPr algn="r"/>
             <a:r>
-              <a:rPr lang="fr-FR" sz="800" smtClean="0"/>
+              <a:rPr lang="fr-FR" sz="1200" smtClean="0"/>
               <a:t>Life points </a:t>
             </a:r>
             <a:r>
-              <a:rPr lang="fr-FR" sz="800" dirty="0" smtClean="0"/>
+              <a:rPr lang="fr-FR" sz="1200" dirty="0" smtClean="0"/>
               <a:t>= 0</a:t>
             </a:r>
           </a:p>
@@ -4078,8 +4093,8 @@
         </p:nvCxnSpPr>
         <p:spPr>
           <a:xfrm flipH="1">
-            <a:off x="9082278" y="1737360"/>
-            <a:ext cx="762" cy="760095"/>
+            <a:off x="9236276" y="1762760"/>
+            <a:ext cx="1704" cy="699804"/>
           </a:xfrm>
           <a:prstGeom prst="straightConnector1">
             <a:avLst/>
@@ -4111,8 +4126,8 @@
         </p:nvCxnSpPr>
         <p:spPr>
           <a:xfrm flipV="1">
-            <a:off x="5034280" y="1732280"/>
-            <a:ext cx="5080" cy="772161"/>
+            <a:off x="5074285" y="1775460"/>
+            <a:ext cx="4445" cy="692787"/>
           </a:xfrm>
           <a:prstGeom prst="straightConnector1">
             <a:avLst/>
@@ -4144,8 +4159,8 @@
         </p:nvSpPr>
         <p:spPr>
           <a:xfrm>
-            <a:off x="4002663" y="1921449"/>
-            <a:ext cx="1038729" cy="215444"/>
+            <a:off x="3979803" y="1906209"/>
+            <a:ext cx="1038729" cy="276999"/>
           </a:xfrm>
           <a:prstGeom prst="rect">
             <a:avLst/>
@@ -4178,7 +4193,7 @@
           <a:p>
             <a:pPr algn="r"/>
             <a:r>
-              <a:rPr lang="fr-FR" sz="800" dirty="0" smtClean="0"/>
+              <a:rPr lang="fr-FR" sz="1200" dirty="0" smtClean="0"/>
               <a:t>PD = 0</a:t>
             </a:r>
           </a:p>
@@ -4225,8 +4240,8 @@
         </p:nvCxnSpPr>
         <p:spPr>
           <a:xfrm>
-            <a:off x="5067300" y="784860"/>
-            <a:ext cx="12700" cy="688340"/>
+            <a:off x="5080000" y="833120"/>
+            <a:ext cx="2540" cy="607060"/>
           </a:xfrm>
           <a:prstGeom prst="straightConnector1">
             <a:avLst/>
@@ -4258,8 +4273,8 @@
         </p:nvSpPr>
         <p:spPr>
           <a:xfrm>
-            <a:off x="2360254" y="1695138"/>
-            <a:ext cx="1338652" cy="215444"/>
+            <a:off x="2383114" y="1352238"/>
+            <a:ext cx="1338652" cy="276999"/>
           </a:xfrm>
           <a:prstGeom prst="rect">
             <a:avLst/>
@@ -4292,10 +4307,10 @@
           <a:p>
             <a:pPr algn="ctr"/>
             <a:r>
-              <a:rPr lang="fr-FR" sz="800" smtClean="0"/>
+              <a:rPr lang="fr-FR" sz="1200" smtClean="0"/>
               <a:t>End of turn</a:t>
             </a:r>
-            <a:endParaRPr lang="fr-FR" sz="800" dirty="0" smtClean="0"/>
+            <a:endParaRPr lang="fr-FR" sz="1200" dirty="0" smtClean="0"/>
           </a:p>
         </p:txBody>
       </p:sp>
@@ -4308,7 +4323,7 @@
         <p:spPr>
           <a:xfrm>
             <a:off x="4021119" y="953211"/>
-            <a:ext cx="1404553" cy="215444"/>
+            <a:ext cx="1404553" cy="276999"/>
           </a:xfrm>
           <a:prstGeom prst="rect">
             <a:avLst/>
@@ -4341,10 +4356,10 @@
           <a:p>
             <a:pPr algn="ctr"/>
             <a:r>
-              <a:rPr lang="fr-FR" sz="800" smtClean="0"/>
+              <a:rPr lang="fr-FR" sz="1200" smtClean="0"/>
               <a:t>Skip turn</a:t>
             </a:r>
-            <a:endParaRPr lang="fr-FR" sz="800" dirty="0" smtClean="0"/>
+            <a:endParaRPr lang="fr-FR" sz="1200" dirty="0" smtClean="0"/>
           </a:p>
         </p:txBody>
       </p:sp>
@@ -4362,19 +4377,18 @@
           <a:prstGeom prst="diamond">
             <a:avLst/>
           </a:prstGeom>
-          <a:noFill/>
         </p:spPr>
         <p:style>
           <a:lnRef idx="2">
-            <a:schemeClr val="dk1">
+            <a:schemeClr val="accent4">
               <a:shade val="50000"/>
             </a:schemeClr>
           </a:lnRef>
           <a:fillRef idx="1">
-            <a:schemeClr val="dk1"/>
+            <a:schemeClr val="accent4"/>
           </a:fillRef>
           <a:effectRef idx="0">
-            <a:schemeClr val="dk1"/>
+            <a:schemeClr val="accent4"/>
           </a:effectRef>
           <a:fontRef idx="minor">
             <a:schemeClr val="lt1"/>
@@ -4397,8 +4411,8 @@
         </p:nvSpPr>
         <p:spPr>
           <a:xfrm>
-            <a:off x="770509" y="1490019"/>
-            <a:ext cx="1709353" cy="238363"/>
+            <a:off x="770509" y="1455967"/>
+            <a:ext cx="1709353" cy="306467"/>
           </a:xfrm>
           <a:prstGeom prst="roundRect">
             <a:avLst/>
@@ -4406,16 +4420,18 @@
         </p:spPr>
         <p:style>
           <a:lnRef idx="2">
-            <a:schemeClr val="dk1"/>
+            <a:schemeClr val="accent5">
+              <a:shade val="50000"/>
+            </a:schemeClr>
           </a:lnRef>
           <a:fillRef idx="1">
-            <a:schemeClr val="lt1"/>
+            <a:schemeClr val="accent5"/>
           </a:fillRef>
           <a:effectRef idx="0">
-            <a:schemeClr val="dk1"/>
+            <a:schemeClr val="accent5"/>
           </a:effectRef>
           <a:fontRef idx="minor">
-            <a:schemeClr val="dk1"/>
+            <a:schemeClr val="lt1"/>
           </a:fontRef>
         </p:style>
         <p:txBody>
@@ -4426,7 +4442,7 @@
           <a:p>
             <a:pPr algn="ctr"/>
             <a:r>
-              <a:rPr lang="fr-FR" sz="800" smtClean="0"/>
+              <a:rPr lang="fr-FR" sz="1200" smtClean="0"/>
               <a:t>Defending</a:t>
             </a:r>
           </a:p>
@@ -4443,8 +4459,8 @@
         </p:nvCxnSpPr>
         <p:spPr>
           <a:xfrm flipV="1">
-            <a:off x="1625186" y="795779"/>
-            <a:ext cx="3106" cy="694240"/>
+            <a:off x="1625186" y="829831"/>
+            <a:ext cx="3106" cy="626136"/>
           </a:xfrm>
           <a:prstGeom prst="straightConnector1">
             <a:avLst/>
@@ -4477,7 +4493,7 @@
         <p:spPr>
           <a:xfrm>
             <a:off x="1621536" y="1943975"/>
-            <a:ext cx="1108561" cy="215444"/>
+            <a:ext cx="1108561" cy="276999"/>
           </a:xfrm>
           <a:prstGeom prst="rect">
             <a:avLst/>
@@ -4509,11 +4525,11 @@
           <a:lstStyle/>
           <a:p>
             <a:r>
-              <a:rPr lang="fr-FR" sz="800" smtClean="0"/>
+              <a:rPr lang="fr-FR" sz="1200" smtClean="0"/>
               <a:t>Life points </a:t>
             </a:r>
             <a:r>
-              <a:rPr lang="fr-FR" sz="800" dirty="0" smtClean="0"/>
+              <a:rPr lang="fr-FR" sz="1200" dirty="0" smtClean="0"/>
               <a:t>= 0</a:t>
             </a:r>
           </a:p>
@@ -4530,7 +4546,7 @@
         </p:nvCxnSpPr>
         <p:spPr>
           <a:xfrm rot="16200000" flipH="1">
-            <a:off x="4848693" y="-1495125"/>
+            <a:off x="4848693" y="-1461073"/>
             <a:ext cx="1009137" cy="7456150"/>
           </a:xfrm>
           <a:prstGeom prst="bentConnector3">
@@ -4567,12 +4583,12 @@
         </p:nvCxnSpPr>
         <p:spPr>
           <a:xfrm rot="10800000" flipV="1">
-            <a:off x="6743492" y="1725171"/>
-            <a:ext cx="1102061" cy="900714"/>
+            <a:off x="6743492" y="1760219"/>
+            <a:ext cx="1112729" cy="865665"/>
           </a:xfrm>
           <a:prstGeom prst="bentConnector3">
             <a:avLst>
-              <a:gd name="adj1" fmla="val 217"/>
+              <a:gd name="adj1" fmla="val 9"/>
             </a:avLst>
           </a:prstGeom>
           <a:ln>
@@ -4602,8 +4618,8 @@
         </p:nvSpPr>
         <p:spPr>
           <a:xfrm>
-            <a:off x="6712884" y="2416415"/>
-            <a:ext cx="1404553" cy="215444"/>
+            <a:off x="6651924" y="2349359"/>
+            <a:ext cx="1404553" cy="276999"/>
           </a:xfrm>
           <a:prstGeom prst="rect">
             <a:avLst/>
@@ -4636,11 +4652,11 @@
           <a:p>
             <a:pPr algn="ctr"/>
             <a:r>
-              <a:rPr lang="fr-FR" sz="800" smtClean="0"/>
+              <a:rPr lang="fr-FR" sz="1200" smtClean="0"/>
               <a:t>Life points &gt; </a:t>
             </a:r>
             <a:r>
-              <a:rPr lang="fr-FR" sz="800" dirty="0" smtClean="0"/>
+              <a:rPr lang="fr-FR" sz="1200" dirty="0" smtClean="0"/>
               <a:t>0</a:t>
             </a:r>
           </a:p>
@@ -4693,7 +4709,7 @@
         <p:spPr>
           <a:xfrm>
             <a:off x="1633728" y="990034"/>
-            <a:ext cx="1128426" cy="215444"/>
+            <a:ext cx="1128426" cy="276999"/>
           </a:xfrm>
           <a:prstGeom prst="rect">
             <a:avLst/>
@@ -4725,10 +4741,10 @@
           <a:lstStyle/>
           <a:p>
             <a:r>
-              <a:rPr lang="fr-FR" sz="800" smtClean="0"/>
+              <a:rPr lang="fr-FR" sz="1200" smtClean="0"/>
               <a:t>Life points &gt; 0</a:t>
             </a:r>
-            <a:endParaRPr lang="fr-FR" sz="800" dirty="0" smtClean="0"/>
+            <a:endParaRPr lang="fr-FR" sz="1200" dirty="0" smtClean="0"/>
           </a:p>
         </p:txBody>
       </p:sp>
@@ -4740,8 +4756,8 @@
         </p:nvSpPr>
         <p:spPr>
           <a:xfrm>
-            <a:off x="3009014" y="2403033"/>
-            <a:ext cx="1404553" cy="215444"/>
+            <a:off x="2773680" y="2364933"/>
+            <a:ext cx="1805940" cy="276999"/>
           </a:xfrm>
           <a:prstGeom prst="rect">
             <a:avLst/>
@@ -4774,10 +4790,10 @@
           <a:p>
             <a:pPr algn="ctr"/>
             <a:r>
-              <a:rPr lang="fr-FR" sz="800" smtClean="0"/>
+              <a:rPr lang="fr-FR" sz="1200" smtClean="0"/>
               <a:t>Movement points &gt; 0</a:t>
             </a:r>
-            <a:endParaRPr lang="fr-FR" sz="800" dirty="0" smtClean="0"/>
+            <a:endParaRPr lang="fr-FR" sz="1200" dirty="0" smtClean="0"/>
           </a:p>
         </p:txBody>
       </p:sp>
@@ -4792,7 +4808,7 @@
         <p:spPr>
           <a:xfrm>
             <a:off x="1628140" y="355600"/>
-            <a:ext cx="152" cy="201816"/>
+            <a:ext cx="152" cy="167764"/>
           </a:xfrm>
           <a:prstGeom prst="straightConnector1">
             <a:avLst/>
@@ -4825,7 +4841,7 @@
         </p:nvSpPr>
         <p:spPr>
           <a:xfrm>
-            <a:off x="9665970" y="2113915"/>
+            <a:off x="9663430" y="2088515"/>
             <a:ext cx="124460" cy="124460"/>
           </a:xfrm>
           <a:prstGeom prst="ellipse">
@@ -4869,7 +4885,7 @@
         </p:nvCxnSpPr>
         <p:spPr>
           <a:xfrm flipV="1">
-            <a:off x="9729470" y="2232025"/>
+            <a:off x="9726930" y="2206625"/>
             <a:ext cx="0" cy="262890"/>
           </a:xfrm>
           <a:prstGeom prst="straightConnector1">
@@ -4903,7 +4919,7 @@
         </p:nvSpPr>
         <p:spPr>
           <a:xfrm>
-            <a:off x="9698355" y="2145030"/>
+            <a:off x="9695815" y="2119630"/>
             <a:ext cx="63499" cy="64769"/>
           </a:xfrm>
           <a:prstGeom prst="ellipse">
